--- a/Figures/DDO-OFDM_I_Tx_pt-br.pptx
+++ b/Figures/DDO-OFDM_I_Tx_pt-br.pptx
@@ -208,7 +208,7 @@
           <a:p>
             <a:fld id="{68E42D50-087F-43D2-99AA-4863E42CF0E8}" type="datetimeFigureOut">
               <a:rPr lang="pt-BR" smtClean="0"/>
-              <a:t>14/03/2014</a:t>
+              <a:t>16/09/2014</a:t>
             </a:fld>
             <a:endParaRPr lang="pt-BR"/>
           </a:p>
@@ -367,7 +367,7 @@
           <a:p>
             <a:fld id="{E0C22F06-E74D-463D-96DD-8BD4984889F8}" type="slidenum">
               <a:rPr lang="pt-BR" smtClean="0"/>
-              <a:t>‹#›</a:t>
+              <a:t>‹nº›</a:t>
             </a:fld>
             <a:endParaRPr lang="pt-BR"/>
           </a:p>
@@ -747,7 +747,7 @@
             <a:fld id="{3ECEDDD1-02F4-488A-9AC5-C581CF75A9CB}" type="datetimeFigureOut">
               <a:rPr lang="pt-BR" smtClean="0"/>
               <a:pPr/>
-              <a:t>14/03/2014</a:t>
+              <a:t>16/09/2014</a:t>
             </a:fld>
             <a:endParaRPr lang="pt-BR"/>
           </a:p>
@@ -790,7 +790,7 @@
             <a:fld id="{64423969-70E0-4A52-B5D9-B4270798E610}" type="slidenum">
               <a:rPr lang="pt-BR" smtClean="0"/>
               <a:pPr/>
-              <a:t>‹#›</a:t>
+              <a:t>‹nº›</a:t>
             </a:fld>
             <a:endParaRPr lang="pt-BR"/>
           </a:p>
@@ -914,7 +914,7 @@
             <a:fld id="{3ECEDDD1-02F4-488A-9AC5-C581CF75A9CB}" type="datetimeFigureOut">
               <a:rPr lang="pt-BR" smtClean="0"/>
               <a:pPr/>
-              <a:t>14/03/2014</a:t>
+              <a:t>16/09/2014</a:t>
             </a:fld>
             <a:endParaRPr lang="pt-BR"/>
           </a:p>
@@ -957,7 +957,7 @@
             <a:fld id="{64423969-70E0-4A52-B5D9-B4270798E610}" type="slidenum">
               <a:rPr lang="pt-BR" smtClean="0"/>
               <a:pPr/>
-              <a:t>‹#›</a:t>
+              <a:t>‹nº›</a:t>
             </a:fld>
             <a:endParaRPr lang="pt-BR"/>
           </a:p>
@@ -1091,7 +1091,7 @@
             <a:fld id="{3ECEDDD1-02F4-488A-9AC5-C581CF75A9CB}" type="datetimeFigureOut">
               <a:rPr lang="pt-BR" smtClean="0"/>
               <a:pPr/>
-              <a:t>14/03/2014</a:t>
+              <a:t>16/09/2014</a:t>
             </a:fld>
             <a:endParaRPr lang="pt-BR"/>
           </a:p>
@@ -1134,7 +1134,7 @@
             <a:fld id="{64423969-70E0-4A52-B5D9-B4270798E610}" type="slidenum">
               <a:rPr lang="pt-BR" smtClean="0"/>
               <a:pPr/>
-              <a:t>‹#›</a:t>
+              <a:t>‹nº›</a:t>
             </a:fld>
             <a:endParaRPr lang="pt-BR"/>
           </a:p>
@@ -1258,7 +1258,7 @@
             <a:fld id="{3ECEDDD1-02F4-488A-9AC5-C581CF75A9CB}" type="datetimeFigureOut">
               <a:rPr lang="pt-BR" smtClean="0"/>
               <a:pPr/>
-              <a:t>14/03/2014</a:t>
+              <a:t>16/09/2014</a:t>
             </a:fld>
             <a:endParaRPr lang="pt-BR"/>
           </a:p>
@@ -1301,7 +1301,7 @@
             <a:fld id="{64423969-70E0-4A52-B5D9-B4270798E610}" type="slidenum">
               <a:rPr lang="pt-BR" smtClean="0"/>
               <a:pPr/>
-              <a:t>‹#›</a:t>
+              <a:t>‹nº›</a:t>
             </a:fld>
             <a:endParaRPr lang="pt-BR"/>
           </a:p>
@@ -1501,7 +1501,7 @@
             <a:fld id="{3ECEDDD1-02F4-488A-9AC5-C581CF75A9CB}" type="datetimeFigureOut">
               <a:rPr lang="pt-BR" smtClean="0"/>
               <a:pPr/>
-              <a:t>14/03/2014</a:t>
+              <a:t>16/09/2014</a:t>
             </a:fld>
             <a:endParaRPr lang="pt-BR"/>
           </a:p>
@@ -1544,7 +1544,7 @@
             <a:fld id="{64423969-70E0-4A52-B5D9-B4270798E610}" type="slidenum">
               <a:rPr lang="pt-BR" smtClean="0"/>
               <a:pPr/>
-              <a:t>‹#›</a:t>
+              <a:t>‹nº›</a:t>
             </a:fld>
             <a:endParaRPr lang="pt-BR"/>
           </a:p>
@@ -1786,7 +1786,7 @@
             <a:fld id="{3ECEDDD1-02F4-488A-9AC5-C581CF75A9CB}" type="datetimeFigureOut">
               <a:rPr lang="pt-BR" smtClean="0"/>
               <a:pPr/>
-              <a:t>14/03/2014</a:t>
+              <a:t>16/09/2014</a:t>
             </a:fld>
             <a:endParaRPr lang="pt-BR"/>
           </a:p>
@@ -1829,7 +1829,7 @@
             <a:fld id="{64423969-70E0-4A52-B5D9-B4270798E610}" type="slidenum">
               <a:rPr lang="pt-BR" smtClean="0"/>
               <a:pPr/>
-              <a:t>‹#›</a:t>
+              <a:t>‹nº›</a:t>
             </a:fld>
             <a:endParaRPr lang="pt-BR"/>
           </a:p>
@@ -2205,7 +2205,7 @@
             <a:fld id="{3ECEDDD1-02F4-488A-9AC5-C581CF75A9CB}" type="datetimeFigureOut">
               <a:rPr lang="pt-BR" smtClean="0"/>
               <a:pPr/>
-              <a:t>14/03/2014</a:t>
+              <a:t>16/09/2014</a:t>
             </a:fld>
             <a:endParaRPr lang="pt-BR"/>
           </a:p>
@@ -2248,7 +2248,7 @@
             <a:fld id="{64423969-70E0-4A52-B5D9-B4270798E610}" type="slidenum">
               <a:rPr lang="pt-BR" smtClean="0"/>
               <a:pPr/>
-              <a:t>‹#›</a:t>
+              <a:t>‹nº›</a:t>
             </a:fld>
             <a:endParaRPr lang="pt-BR"/>
           </a:p>
@@ -2320,7 +2320,7 @@
             <a:fld id="{3ECEDDD1-02F4-488A-9AC5-C581CF75A9CB}" type="datetimeFigureOut">
               <a:rPr lang="pt-BR" smtClean="0"/>
               <a:pPr/>
-              <a:t>14/03/2014</a:t>
+              <a:t>16/09/2014</a:t>
             </a:fld>
             <a:endParaRPr lang="pt-BR"/>
           </a:p>
@@ -2363,7 +2363,7 @@
             <a:fld id="{64423969-70E0-4A52-B5D9-B4270798E610}" type="slidenum">
               <a:rPr lang="pt-BR" smtClean="0"/>
               <a:pPr/>
-              <a:t>‹#›</a:t>
+              <a:t>‹nº›</a:t>
             </a:fld>
             <a:endParaRPr lang="pt-BR"/>
           </a:p>
@@ -2412,7 +2412,7 @@
             <a:fld id="{3ECEDDD1-02F4-488A-9AC5-C581CF75A9CB}" type="datetimeFigureOut">
               <a:rPr lang="pt-BR" smtClean="0"/>
               <a:pPr/>
-              <a:t>14/03/2014</a:t>
+              <a:t>16/09/2014</a:t>
             </a:fld>
             <a:endParaRPr lang="pt-BR"/>
           </a:p>
@@ -2455,7 +2455,7 @@
             <a:fld id="{64423969-70E0-4A52-B5D9-B4270798E610}" type="slidenum">
               <a:rPr lang="pt-BR" smtClean="0"/>
               <a:pPr/>
-              <a:t>‹#›</a:t>
+              <a:t>‹nº›</a:t>
             </a:fld>
             <a:endParaRPr lang="pt-BR"/>
           </a:p>
@@ -2686,7 +2686,7 @@
             <a:fld id="{3ECEDDD1-02F4-488A-9AC5-C581CF75A9CB}" type="datetimeFigureOut">
               <a:rPr lang="pt-BR" smtClean="0"/>
               <a:pPr/>
-              <a:t>14/03/2014</a:t>
+              <a:t>16/09/2014</a:t>
             </a:fld>
             <a:endParaRPr lang="pt-BR"/>
           </a:p>
@@ -2729,7 +2729,7 @@
             <a:fld id="{64423969-70E0-4A52-B5D9-B4270798E610}" type="slidenum">
               <a:rPr lang="pt-BR" smtClean="0"/>
               <a:pPr/>
-              <a:t>‹#›</a:t>
+              <a:t>‹nº›</a:t>
             </a:fld>
             <a:endParaRPr lang="pt-BR"/>
           </a:p>
@@ -2936,7 +2936,7 @@
             <a:fld id="{3ECEDDD1-02F4-488A-9AC5-C581CF75A9CB}" type="datetimeFigureOut">
               <a:rPr lang="pt-BR" smtClean="0"/>
               <a:pPr/>
-              <a:t>14/03/2014</a:t>
+              <a:t>16/09/2014</a:t>
             </a:fld>
             <a:endParaRPr lang="pt-BR"/>
           </a:p>
@@ -2979,7 +2979,7 @@
             <a:fld id="{64423969-70E0-4A52-B5D9-B4270798E610}" type="slidenum">
               <a:rPr lang="pt-BR" smtClean="0"/>
               <a:pPr/>
-              <a:t>‹#›</a:t>
+              <a:t>‹nº›</a:t>
             </a:fld>
             <a:endParaRPr lang="pt-BR"/>
           </a:p>
@@ -3146,7 +3146,7 @@
             <a:fld id="{3ECEDDD1-02F4-488A-9AC5-C581CF75A9CB}" type="datetimeFigureOut">
               <a:rPr lang="pt-BR" smtClean="0"/>
               <a:pPr/>
-              <a:t>14/03/2014</a:t>
+              <a:t>16/09/2014</a:t>
             </a:fld>
             <a:endParaRPr lang="pt-BR"/>
           </a:p>
@@ -3225,7 +3225,7 @@
             <a:fld id="{64423969-70E0-4A52-B5D9-B4270798E610}" type="slidenum">
               <a:rPr lang="pt-BR" smtClean="0"/>
               <a:pPr/>
-              <a:t>‹#›</a:t>
+              <a:t>‹nº›</a:t>
             </a:fld>
             <a:endParaRPr lang="pt-BR"/>
           </a:p>
@@ -9477,8 +9477,8 @@
           </a:p>
         </p:txBody>
       </p:sp>
-      <mc:AlternateContent xmlns:mc="http://schemas.openxmlformats.org/markup-compatibility/2006">
-        <mc:Choice xmlns:a14="http://schemas.microsoft.com/office/drawing/2010/main" Requires="a14">
+      <mc:AlternateContent xmlns:mc="http://schemas.openxmlformats.org/markup-compatibility/2006" xmlns:a14="http://schemas.microsoft.com/office/drawing/2010/main">
+        <mc:Choice Requires="a14">
           <p:sp>
             <p:nvSpPr>
               <p:cNvPr id="1434" name="TextBox 1433"/>
@@ -9673,7 +9673,7 @@
             </p:txBody>
           </p:sp>
         </mc:Choice>
-        <mc:Fallback>
+        <mc:Fallback xmlns="">
           <p:sp>
             <p:nvSpPr>
               <p:cNvPr id="1434" name="TextBox 1433"/>
@@ -9746,8 +9746,8 @@
           </a:p>
         </p:txBody>
       </p:sp>
-      <mc:AlternateContent xmlns:mc="http://schemas.openxmlformats.org/markup-compatibility/2006">
-        <mc:Choice xmlns:a14="http://schemas.microsoft.com/office/drawing/2010/main" Requires="a14">
+      <mc:AlternateContent xmlns:mc="http://schemas.openxmlformats.org/markup-compatibility/2006" xmlns:a14="http://schemas.microsoft.com/office/drawing/2010/main">
+        <mc:Choice Requires="a14">
           <p:sp>
             <p:nvSpPr>
               <p:cNvPr id="1436" name="TextBox 1435"/>
@@ -9942,7 +9942,7 @@
             </p:txBody>
           </p:sp>
         </mc:Choice>
-        <mc:Fallback>
+        <mc:Fallback xmlns="">
           <p:sp>
             <p:nvSpPr>
               <p:cNvPr id="1436" name="TextBox 1435"/>
@@ -9981,8 +9981,8 @@
           </p:sp>
         </mc:Fallback>
       </mc:AlternateContent>
-      <mc:AlternateContent xmlns:mc="http://schemas.openxmlformats.org/markup-compatibility/2006">
-        <mc:Choice xmlns:a14="http://schemas.microsoft.com/office/drawing/2010/main" Requires="a14">
+      <mc:AlternateContent xmlns:mc="http://schemas.openxmlformats.org/markup-compatibility/2006" xmlns:a14="http://schemas.microsoft.com/office/drawing/2010/main">
+        <mc:Choice Requires="a14">
           <p:sp>
             <p:nvSpPr>
               <p:cNvPr id="1437" name="TextBox 1436"/>
@@ -10177,7 +10177,7 @@
             </p:txBody>
           </p:sp>
         </mc:Choice>
-        <mc:Fallback>
+        <mc:Fallback xmlns="">
           <p:sp>
             <p:nvSpPr>
               <p:cNvPr id="1437" name="TextBox 1436"/>
@@ -14064,11 +14064,7 @@
             <a:pPr algn="ctr"/>
             <a:r>
               <a:rPr lang="pt-BR" sz="1437" b="1" dirty="0" smtClean="0"/>
-              <a:t>Amostras no </a:t>
-            </a:r>
-            <a:r>
-              <a:rPr lang="pt-BR" sz="1437" b="1" dirty="0" smtClean="0"/>
-              <a:t>Domínio da Frequência</a:t>
+              <a:t>Amostras no Domínio da Frequência</a:t>
             </a:r>
             <a:endParaRPr lang="pt-BR" sz="1437" b="1" dirty="0"/>
           </a:p>
@@ -23256,8 +23252,8 @@
         </p:nvSpPr>
         <p:spPr>
           <a:xfrm>
-            <a:off x="8208131" y="868789"/>
-            <a:ext cx="1797608" cy="313484"/>
+            <a:off x="8064115" y="845952"/>
+            <a:ext cx="2147063" cy="313484"/>
           </a:xfrm>
           <a:prstGeom prst="rect">
             <a:avLst/>
@@ -23272,7 +23268,7 @@
           <a:p>
             <a:r>
               <a:rPr lang="pt-BR" sz="1437" b="1" dirty="0" smtClean="0"/>
-              <a:t>Vetor Símbolo OFDM</a:t>
+              <a:t>Vetor de Símbolos OFDM</a:t>
             </a:r>
             <a:endParaRPr lang="pt-BR" sz="1437" b="1" dirty="0"/>
           </a:p>
